--- a/material/C01_CSharp_개발환경.pptx
+++ b/material/C01_CSharp_개발환경.pptx
@@ -269,7 +269,7 @@
           <a:p>
             <a:fld id="{2EF3F159-7250-4DD4-91C2-13B35D56E1AF}" type="datetimeFigureOut">
               <a:rPr lang="ko-KR" altLang="en-US" smtClean="0"/>
-              <a:t>2025-04-03</a:t>
+              <a:t>2025-04-08</a:t>
             </a:fld>
             <a:endParaRPr lang="ko-KR" altLang="en-US"/>
           </a:p>
@@ -4520,11 +4520,21 @@
           <a:p>
             <a:r>
               <a:rPr lang="en-US" altLang="ko-KR" dirty="0"/>
-              <a:t>C#</a:t>
-            </a:r>
-            <a:r>
-              <a:rPr lang="ko-KR" altLang="en-US" dirty="0"/>
-              <a:t>코드를 한 줄 씩 실시간으로 실행할 수 있는 </a:t>
+              <a:t>VS</a:t>
+            </a:r>
+            <a:r>
+              <a:rPr lang="ko-KR" altLang="en-US" dirty="0"/>
+              <a:t>에서 제공하는 대화형 콘솔 환경</a:t>
+            </a:r>
+            <a:r>
+              <a:rPr lang="en-US" altLang="ko-KR" dirty="0"/>
+              <a:t>!</a:t>
+            </a:r>
+          </a:p>
+          <a:p>
+            <a:r>
+              <a:rPr lang="ko-KR" altLang="en-US" dirty="0"/>
+              <a:t>한 줄씩 </a:t>
             </a:r>
             <a:r>
               <a:rPr lang="en-US" altLang="ko-KR" dirty="0"/>
@@ -4532,42 +4542,136 @@
             </a:r>
             <a:r>
               <a:rPr lang="ko-KR" altLang="en-US" dirty="0"/>
-              <a:t>대화형 콘솔</a:t>
+              <a:t>코드를 입력하고 즉시 실행 결과를 확인할 수 있는 도구임</a:t>
+            </a:r>
+            <a:r>
+              <a:rPr lang="en-US" altLang="ko-KR" dirty="0"/>
+              <a:t>.</a:t>
+            </a:r>
+          </a:p>
+          <a:p>
+            <a:endParaRPr lang="ko-KR" altLang="en-US" dirty="0"/>
+          </a:p>
+          <a:p>
+            <a:pPr marL="171450" marR="0" lvl="0" indent="-171450" algn="l" defTabSz="914400" rtl="0" eaLnBrk="1" fontAlgn="auto" latinLnBrk="1" hangingPunct="1">
+              <a:lnSpc>
+                <a:spcPct val="100000"/>
+              </a:lnSpc>
+              <a:spcBef>
+                <a:spcPts val="0"/>
+              </a:spcBef>
+              <a:spcAft>
+                <a:spcPts val="0"/>
+              </a:spcAft>
+              <a:buClrTx/>
+              <a:buSzTx/>
+              <a:buFontTx/>
+              <a:buChar char="-"/>
+              <a:tabLst/>
+              <a:defRPr/>
+            </a:pPr>
+            <a:r>
+              <a:rPr lang="ko-KR" altLang="en-US" dirty="0"/>
+              <a:t>테스트용 </a:t>
+            </a:r>
+            <a:r>
+              <a:rPr lang="en-US" altLang="ko-KR" dirty="0"/>
+              <a:t>(</a:t>
+            </a:r>
+            <a:r>
+              <a:rPr lang="ko-KR" altLang="en-US" dirty="0"/>
+              <a:t>짧은 코드 실험</a:t>
+            </a:r>
+            <a:r>
+              <a:rPr lang="en-US" altLang="ko-KR" dirty="0"/>
+              <a:t>, </a:t>
+            </a:r>
+            <a:r>
+              <a:rPr lang="ko-KR" altLang="en-US" dirty="0"/>
+              <a:t>변수 테스트 등에 좋음</a:t>
+            </a:r>
+            <a:r>
+              <a:rPr lang="en-US" altLang="ko-KR" dirty="0"/>
+              <a:t>)</a:t>
+            </a:r>
+          </a:p>
+          <a:p>
+            <a:pPr marL="171450" indent="-171450">
+              <a:buFontTx/>
+              <a:buChar char="-"/>
+            </a:pPr>
+            <a:r>
+              <a:rPr lang="en-US" altLang="ko-KR" dirty="0"/>
+              <a:t>IME </a:t>
+            </a:r>
+            <a:r>
+              <a:rPr lang="ko-KR" altLang="en-US" dirty="0"/>
+              <a:t>오류가 많음</a:t>
+            </a:r>
+            <a:r>
+              <a:rPr lang="en-US" altLang="ko-KR" dirty="0"/>
+              <a:t>.</a:t>
+            </a:r>
+          </a:p>
+          <a:p>
+            <a:pPr marL="171450" indent="-171450">
+              <a:buFontTx/>
+              <a:buChar char="-"/>
+            </a:pPr>
+            <a:r>
+              <a:rPr lang="en-US" altLang="ko-KR" dirty="0"/>
+              <a:t>C# Interactive</a:t>
+            </a:r>
+            <a:r>
+              <a:rPr lang="ko-KR" altLang="en-US" dirty="0"/>
+              <a:t>가 한글 조합 상태를 지원하지 못함</a:t>
             </a:r>
             <a:endParaRPr lang="en-US" altLang="ko-KR" dirty="0"/>
           </a:p>
           <a:p>
+            <a:pPr marL="0" indent="0">
+              <a:buFontTx/>
+              <a:buNone/>
+            </a:pPr>
+            <a:r>
+              <a:rPr lang="en-US" altLang="ko-KR" dirty="0"/>
+              <a:t>&gt; </a:t>
+            </a:r>
+            <a:r>
+              <a:rPr lang="ko-KR" altLang="en-US" dirty="0"/>
+              <a:t>메모장</a:t>
+            </a:r>
+            <a:r>
+              <a:rPr lang="en-US" altLang="ko-KR" dirty="0"/>
+              <a:t>/</a:t>
+            </a:r>
+            <a:r>
+              <a:rPr lang="ko-KR" altLang="en-US" dirty="0"/>
+              <a:t>편집기에서 입력 후 복사</a:t>
+            </a:r>
+            <a:r>
+              <a:rPr lang="en-US" altLang="ko-KR" dirty="0"/>
+              <a:t>-</a:t>
+            </a:r>
+            <a:r>
+              <a:rPr lang="ko-KR" altLang="en-US" dirty="0"/>
+              <a:t>붙여넣기</a:t>
+            </a:r>
+            <a:r>
+              <a:rPr lang="en-US" altLang="ko-KR" dirty="0"/>
+              <a:t>, </a:t>
+            </a:r>
+            <a:r>
+              <a:rPr lang="ko-KR" altLang="en-US"/>
+              <a:t>또는 콘솔 앱 사용</a:t>
+            </a:r>
             <a:endParaRPr lang="en-US" altLang="ko-KR" dirty="0"/>
           </a:p>
           <a:p>
-            <a:r>
-              <a:rPr lang="en-US" altLang="ko-KR" dirty="0"/>
-              <a:t>- </a:t>
-            </a:r>
-            <a:r>
-              <a:rPr lang="ko-KR" altLang="en-US" dirty="0"/>
-              <a:t>테스트용 </a:t>
-            </a:r>
-            <a:r>
-              <a:rPr lang="en-US" altLang="ko-KR" dirty="0"/>
-              <a:t>(</a:t>
-            </a:r>
-            <a:r>
-              <a:rPr lang="ko-KR" altLang="en-US" dirty="0"/>
-              <a:t>짧은 코드 실험</a:t>
-            </a:r>
-            <a:r>
-              <a:rPr lang="en-US" altLang="ko-KR" dirty="0"/>
-              <a:t>, </a:t>
-            </a:r>
-            <a:r>
-              <a:rPr lang="ko-KR" altLang="en-US" dirty="0"/>
-              <a:t>변수 테스트 등에 좋음</a:t>
-            </a:r>
-            <a:r>
-              <a:rPr lang="en-US" altLang="ko-KR" dirty="0"/>
-              <a:t>)</a:t>
-            </a:r>
+            <a:pPr marL="171450" indent="-171450">
+              <a:buFontTx/>
+              <a:buChar char="-"/>
+            </a:pPr>
             <a:endParaRPr lang="ko-KR" altLang="en-US" dirty="0"/>
           </a:p>
         </p:txBody>
@@ -8262,7 +8366,7 @@
           <a:p>
             <a:fld id="{442BEE3F-2E9A-4FD8-8B8A-8619F3E161C0}" type="datetime1">
               <a:rPr lang="ko-KR" altLang="en-US" smtClean="0"/>
-              <a:t>2025-04-03</a:t>
+              <a:t>2025-04-08</a:t>
             </a:fld>
             <a:endParaRPr lang="ko-KR" altLang="en-US"/>
           </a:p>
@@ -8448,7 +8552,7 @@
           <a:p>
             <a:fld id="{2EAE422B-0E68-47B5-84BB-CA2BDA8EE46C}" type="datetime1">
               <a:rPr lang="ko-KR" altLang="en-US" smtClean="0"/>
-              <a:t>2025-04-03</a:t>
+              <a:t>2025-04-08</a:t>
             </a:fld>
             <a:endParaRPr lang="ko-KR" altLang="en-US"/>
           </a:p>
@@ -8656,7 +8760,7 @@
           <a:p>
             <a:fld id="{AF7C623F-179B-417F-99B6-50F6DF228D4B}" type="datetime1">
               <a:rPr lang="ko-KR" altLang="en-US" smtClean="0"/>
-              <a:t>2025-04-03</a:t>
+              <a:t>2025-04-08</a:t>
             </a:fld>
             <a:endParaRPr lang="ko-KR" altLang="en-US"/>
           </a:p>
@@ -8885,7 +8989,7 @@
           <a:p>
             <a:fld id="{0F78D9C4-20C1-4B15-A116-16DC77AD9A1E}" type="datetime1">
               <a:rPr lang="ko-KR" altLang="en-US" smtClean="0"/>
-              <a:t>2025-04-03</a:t>
+              <a:t>2025-04-08</a:t>
             </a:fld>
             <a:endParaRPr lang="ko-KR" altLang="en-US"/>
           </a:p>
@@ -9160,7 +9264,7 @@
           <a:p>
             <a:fld id="{C7F43723-C509-4DEA-8428-B50818F79709}" type="datetime1">
               <a:rPr lang="ko-KR" altLang="en-US" smtClean="0"/>
-              <a:t>2025-04-03</a:t>
+              <a:t>2025-04-08</a:t>
             </a:fld>
             <a:endParaRPr lang="ko-KR" altLang="en-US"/>
           </a:p>
@@ -9425,7 +9529,7 @@
           <a:p>
             <a:fld id="{5D2B7482-EE74-4DBD-97F4-D0DAC0C0E4E5}" type="datetime1">
               <a:rPr lang="ko-KR" altLang="en-US" smtClean="0"/>
-              <a:t>2025-04-03</a:t>
+              <a:t>2025-04-08</a:t>
             </a:fld>
             <a:endParaRPr lang="ko-KR" altLang="en-US"/>
           </a:p>
@@ -9838,7 +9942,7 @@
           <a:p>
             <a:fld id="{051A8C49-CED7-4A86-9B4A-621D7F62EE92}" type="datetime1">
               <a:rPr lang="ko-KR" altLang="en-US" smtClean="0"/>
-              <a:t>2025-04-03</a:t>
+              <a:t>2025-04-08</a:t>
             </a:fld>
             <a:endParaRPr lang="ko-KR" altLang="en-US"/>
           </a:p>
@@ -9990,7 +10094,7 @@
           <a:p>
             <a:fld id="{84082D76-7079-412D-848B-E1B9E7A6A286}" type="datetime1">
               <a:rPr lang="ko-KR" altLang="en-US" smtClean="0"/>
-              <a:t>2025-04-03</a:t>
+              <a:t>2025-04-08</a:t>
             </a:fld>
             <a:endParaRPr lang="ko-KR" altLang="en-US"/>
           </a:p>
@@ -10103,7 +10207,7 @@
           <a:p>
             <a:fld id="{10C5FEB5-5F88-4F49-9108-1795E314F09F}" type="datetime1">
               <a:rPr lang="ko-KR" altLang="en-US" smtClean="0"/>
-              <a:t>2025-04-03</a:t>
+              <a:t>2025-04-08</a:t>
             </a:fld>
             <a:endParaRPr lang="ko-KR" altLang="en-US"/>
           </a:p>
@@ -10414,7 +10518,7 @@
           <a:p>
             <a:fld id="{E37ABBEE-D8D4-48AD-9887-4DC578B8A684}" type="datetime1">
               <a:rPr lang="ko-KR" altLang="en-US" smtClean="0"/>
-              <a:t>2025-04-03</a:t>
+              <a:t>2025-04-08</a:t>
             </a:fld>
             <a:endParaRPr lang="ko-KR" altLang="en-US"/>
           </a:p>
@@ -10705,7 +10809,7 @@
           <a:p>
             <a:fld id="{A2D6A55C-F3DD-45DD-9D50-F8680410167D}" type="datetime1">
               <a:rPr lang="ko-KR" altLang="en-US" smtClean="0"/>
-              <a:t>2025-04-03</a:t>
+              <a:t>2025-04-08</a:t>
             </a:fld>
             <a:endParaRPr lang="ko-KR" altLang="en-US"/>
           </a:p>
@@ -10949,7 +11053,7 @@
             <a:fld id="{7F5E23C3-0E3D-4E4E-8486-D7FB4C073DC1}" type="datetime1">
               <a:rPr lang="ko-KR" altLang="en-US" smtClean="0"/>
               <a:pPr/>
-              <a:t>2025-04-03</a:t>
+              <a:t>2025-04-08</a:t>
             </a:fld>
             <a:endParaRPr lang="ko-KR" altLang="en-US" dirty="0"/>
           </a:p>
@@ -11623,7 +11727,7 @@
           <a:p>
             <a:fld id="{0F78D9C4-20C1-4B15-A116-16DC77AD9A1E}" type="datetime1">
               <a:rPr lang="ko-KR" altLang="en-US" smtClean="0"/>
-              <a:t>2025-04-03</a:t>
+              <a:t>2025-04-08</a:t>
             </a:fld>
             <a:endParaRPr lang="ko-KR" altLang="en-US"/>
           </a:p>
@@ -11832,7 +11936,7 @@
           <a:p>
             <a:fld id="{2E2BEDFA-D8AA-4914-9440-7DF713C99FA9}" type="datetime1">
               <a:rPr lang="ko-KR" altLang="en-US" smtClean="0"/>
-              <a:t>2025-04-03</a:t>
+              <a:t>2025-04-08</a:t>
             </a:fld>
             <a:endParaRPr lang="ko-KR" altLang="en-US" dirty="0"/>
           </a:p>
@@ -11952,7 +12056,7 @@
           <a:p>
             <a:fld id="{0F78D9C4-20C1-4B15-A116-16DC77AD9A1E}" type="datetime1">
               <a:rPr lang="ko-KR" altLang="en-US" smtClean="0"/>
-              <a:t>2025-04-03</a:t>
+              <a:t>2025-04-08</a:t>
             </a:fld>
             <a:endParaRPr lang="ko-KR" altLang="en-US"/>
           </a:p>
@@ -12222,7 +12326,7 @@
           <a:p>
             <a:fld id="{0F78D9C4-20C1-4B15-A116-16DC77AD9A1E}" type="datetime1">
               <a:rPr lang="ko-KR" altLang="en-US" smtClean="0"/>
-              <a:t>2025-04-03</a:t>
+              <a:t>2025-04-08</a:t>
             </a:fld>
             <a:endParaRPr lang="ko-KR" altLang="en-US"/>
           </a:p>
@@ -12554,7 +12658,7 @@
           <a:p>
             <a:fld id="{0F78D9C4-20C1-4B15-A116-16DC77AD9A1E}" type="datetime1">
               <a:rPr lang="ko-KR" altLang="en-US" smtClean="0"/>
-              <a:t>2025-04-03</a:t>
+              <a:t>2025-04-08</a:t>
             </a:fld>
             <a:endParaRPr lang="ko-KR" altLang="en-US"/>
           </a:p>
@@ -12834,7 +12938,7 @@
           <a:p>
             <a:fld id="{0F78D9C4-20C1-4B15-A116-16DC77AD9A1E}" type="datetime1">
               <a:rPr lang="ko-KR" altLang="en-US" smtClean="0"/>
-              <a:t>2025-04-03</a:t>
+              <a:t>2025-04-08</a:t>
             </a:fld>
             <a:endParaRPr lang="ko-KR" altLang="en-US"/>
           </a:p>
@@ -13036,7 +13140,7 @@
           <a:p>
             <a:fld id="{0F78D9C4-20C1-4B15-A116-16DC77AD9A1E}" type="datetime1">
               <a:rPr lang="ko-KR" altLang="en-US" smtClean="0"/>
-              <a:t>2025-04-03</a:t>
+              <a:t>2025-04-08</a:t>
             </a:fld>
             <a:endParaRPr lang="ko-KR" altLang="en-US"/>
           </a:p>
@@ -13320,7 +13424,7 @@
           <a:p>
             <a:fld id="{0F78D9C4-20C1-4B15-A116-16DC77AD9A1E}" type="datetime1">
               <a:rPr lang="ko-KR" altLang="en-US" smtClean="0"/>
-              <a:t>2025-04-03</a:t>
+              <a:t>2025-04-08</a:t>
             </a:fld>
             <a:endParaRPr lang="ko-KR" altLang="en-US"/>
           </a:p>
@@ -13436,7 +13540,7 @@
           <a:p>
             <a:fld id="{0F78D9C4-20C1-4B15-A116-16DC77AD9A1E}" type="datetime1">
               <a:rPr lang="ko-KR" altLang="en-US" smtClean="0"/>
-              <a:t>2025-04-03</a:t>
+              <a:t>2025-04-08</a:t>
             </a:fld>
             <a:endParaRPr lang="ko-KR" altLang="en-US"/>
           </a:p>
@@ -14108,7 +14212,7 @@
           <a:p>
             <a:fld id="{0F78D9C4-20C1-4B15-A116-16DC77AD9A1E}" type="datetime1">
               <a:rPr lang="ko-KR" altLang="en-US" smtClean="0"/>
-              <a:t>2025-04-03</a:t>
+              <a:t>2025-04-08</a:t>
             </a:fld>
             <a:endParaRPr lang="ko-KR" altLang="en-US"/>
           </a:p>
@@ -14365,7 +14469,7 @@
           <a:p>
             <a:fld id="{2E2BEDFA-D8AA-4914-9440-7DF713C99FA9}" type="datetime1">
               <a:rPr lang="ko-KR" altLang="en-US" smtClean="0"/>
-              <a:t>2025-04-03</a:t>
+              <a:t>2025-04-08</a:t>
             </a:fld>
             <a:endParaRPr lang="ko-KR" altLang="en-US" dirty="0"/>
           </a:p>
@@ -14496,7 +14600,7 @@
           <a:p>
             <a:fld id="{0F78D9C4-20C1-4B15-A116-16DC77AD9A1E}" type="datetime1">
               <a:rPr lang="ko-KR" altLang="en-US" smtClean="0"/>
-              <a:t>2025-04-03</a:t>
+              <a:t>2025-04-08</a:t>
             </a:fld>
             <a:endParaRPr lang="ko-KR" altLang="en-US"/>
           </a:p>
@@ -14709,7 +14813,7 @@
           <a:p>
             <a:fld id="{0F78D9C4-20C1-4B15-A116-16DC77AD9A1E}" type="datetime1">
               <a:rPr lang="ko-KR" altLang="en-US" smtClean="0"/>
-              <a:t>2025-04-03</a:t>
+              <a:t>2025-04-08</a:t>
             </a:fld>
             <a:endParaRPr lang="ko-KR" altLang="en-US"/>
           </a:p>
@@ -15031,7 +15135,7 @@
           <a:p>
             <a:fld id="{0F78D9C4-20C1-4B15-A116-16DC77AD9A1E}" type="datetime1">
               <a:rPr lang="ko-KR" altLang="en-US" smtClean="0"/>
-              <a:t>2025-04-03</a:t>
+              <a:t>2025-04-08</a:t>
             </a:fld>
             <a:endParaRPr lang="ko-KR" altLang="en-US"/>
           </a:p>
@@ -15480,7 +15584,7 @@
           <a:p>
             <a:fld id="{0F78D9C4-20C1-4B15-A116-16DC77AD9A1E}" type="datetime1">
               <a:rPr lang="ko-KR" altLang="en-US" smtClean="0"/>
-              <a:t>2025-04-03</a:t>
+              <a:t>2025-04-08</a:t>
             </a:fld>
             <a:endParaRPr lang="ko-KR" altLang="en-US"/>
           </a:p>
@@ -15812,7 +15916,7 @@
           <a:p>
             <a:fld id="{0F78D9C4-20C1-4B15-A116-16DC77AD9A1E}" type="datetime1">
               <a:rPr lang="ko-KR" altLang="en-US" smtClean="0"/>
-              <a:t>2025-04-03</a:t>
+              <a:t>2025-04-08</a:t>
             </a:fld>
             <a:endParaRPr lang="ko-KR" altLang="en-US"/>
           </a:p>
@@ -16298,7 +16402,7 @@
           <a:p>
             <a:fld id="{0F78D9C4-20C1-4B15-A116-16DC77AD9A1E}" type="datetime1">
               <a:rPr lang="ko-KR" altLang="en-US" smtClean="0"/>
-              <a:t>2025-04-03</a:t>
+              <a:t>2025-04-08</a:t>
             </a:fld>
             <a:endParaRPr lang="ko-KR" altLang="en-US"/>
           </a:p>
@@ -16877,7 +16981,7 @@
           <a:p>
             <a:fld id="{0F78D9C4-20C1-4B15-A116-16DC77AD9A1E}" type="datetime1">
               <a:rPr lang="ko-KR" altLang="en-US" smtClean="0"/>
-              <a:t>2025-04-03</a:t>
+              <a:t>2025-04-08</a:t>
             </a:fld>
             <a:endParaRPr lang="ko-KR" altLang="en-US"/>
           </a:p>
@@ -17222,7 +17326,7 @@
           <a:p>
             <a:fld id="{0F78D9C4-20C1-4B15-A116-16DC77AD9A1E}" type="datetime1">
               <a:rPr lang="ko-KR" altLang="en-US" smtClean="0"/>
-              <a:t>2025-04-03</a:t>
+              <a:t>2025-04-08</a:t>
             </a:fld>
             <a:endParaRPr lang="ko-KR" altLang="en-US"/>
           </a:p>
@@ -17565,7 +17669,7 @@
           <a:p>
             <a:fld id="{0F78D9C4-20C1-4B15-A116-16DC77AD9A1E}" type="datetime1">
               <a:rPr lang="ko-KR" altLang="en-US" smtClean="0"/>
-              <a:t>2025-04-03</a:t>
+              <a:t>2025-04-08</a:t>
             </a:fld>
             <a:endParaRPr lang="ko-KR" altLang="en-US"/>
           </a:p>
@@ -18100,7 +18204,7 @@
           <a:p>
             <a:fld id="{0F78D9C4-20C1-4B15-A116-16DC77AD9A1E}" type="datetime1">
               <a:rPr lang="ko-KR" altLang="en-US" smtClean="0"/>
-              <a:t>2025-04-03</a:t>
+              <a:t>2025-04-08</a:t>
             </a:fld>
             <a:endParaRPr lang="ko-KR" altLang="en-US"/>
           </a:p>
@@ -18384,7 +18488,7 @@
           <a:p>
             <a:fld id="{0F78D9C4-20C1-4B15-A116-16DC77AD9A1E}" type="datetime1">
               <a:rPr lang="ko-KR" altLang="en-US" smtClean="0"/>
-              <a:t>2025-04-03</a:t>
+              <a:t>2025-04-08</a:t>
             </a:fld>
             <a:endParaRPr lang="ko-KR" altLang="en-US"/>
           </a:p>
@@ -18860,7 +18964,7 @@
           <a:p>
             <a:fld id="{0F78D9C4-20C1-4B15-A116-16DC77AD9A1E}" type="datetime1">
               <a:rPr lang="ko-KR" altLang="en-US" smtClean="0"/>
-              <a:t>2025-04-03</a:t>
+              <a:t>2025-04-08</a:t>
             </a:fld>
             <a:endParaRPr lang="ko-KR" altLang="en-US"/>
           </a:p>
@@ -19413,7 +19517,7 @@
           <a:p>
             <a:fld id="{0F78D9C4-20C1-4B15-A116-16DC77AD9A1E}" type="datetime1">
               <a:rPr lang="ko-KR" altLang="en-US" smtClean="0"/>
-              <a:t>2025-04-03</a:t>
+              <a:t>2025-04-08</a:t>
             </a:fld>
             <a:endParaRPr lang="ko-KR" altLang="en-US"/>
           </a:p>
@@ -19554,7 +19658,7 @@
           <a:p>
             <a:fld id="{0F78D9C4-20C1-4B15-A116-16DC77AD9A1E}" type="datetime1">
               <a:rPr lang="ko-KR" altLang="en-US" smtClean="0"/>
-              <a:t>2025-04-03</a:t>
+              <a:t>2025-04-08</a:t>
             </a:fld>
             <a:endParaRPr lang="ko-KR" altLang="en-US"/>
           </a:p>
@@ -19891,7 +19995,7 @@
           <a:p>
             <a:fld id="{0F78D9C4-20C1-4B15-A116-16DC77AD9A1E}" type="datetime1">
               <a:rPr lang="ko-KR" altLang="en-US" smtClean="0"/>
-              <a:t>2025-04-03</a:t>
+              <a:t>2025-04-08</a:t>
             </a:fld>
             <a:endParaRPr lang="ko-KR" altLang="en-US"/>
           </a:p>
@@ -20574,7 +20678,7 @@
           <a:p>
             <a:fld id="{0F78D9C4-20C1-4B15-A116-16DC77AD9A1E}" type="datetime1">
               <a:rPr lang="ko-KR" altLang="en-US" smtClean="0"/>
-              <a:t>2025-04-03</a:t>
+              <a:t>2025-04-08</a:t>
             </a:fld>
             <a:endParaRPr lang="ko-KR" altLang="en-US"/>
           </a:p>
@@ -20902,7 +21006,7 @@
           <a:p>
             <a:fld id="{0F78D9C4-20C1-4B15-A116-16DC77AD9A1E}" type="datetime1">
               <a:rPr lang="ko-KR" altLang="en-US" smtClean="0"/>
-              <a:t>2025-04-03</a:t>
+              <a:t>2025-04-08</a:t>
             </a:fld>
             <a:endParaRPr lang="ko-KR" altLang="en-US"/>
           </a:p>
@@ -21078,7 +21182,7 @@
           <a:p>
             <a:fld id="{0F78D9C4-20C1-4B15-A116-16DC77AD9A1E}" type="datetime1">
               <a:rPr lang="ko-KR" altLang="en-US" smtClean="0"/>
-              <a:t>2025-04-03</a:t>
+              <a:t>2025-04-08</a:t>
             </a:fld>
             <a:endParaRPr lang="ko-KR" altLang="en-US"/>
           </a:p>
@@ -21431,7 +21535,7 @@
           <a:p>
             <a:fld id="{0F78D9C4-20C1-4B15-A116-16DC77AD9A1E}" type="datetime1">
               <a:rPr lang="ko-KR" altLang="en-US" smtClean="0"/>
-              <a:t>2025-04-03</a:t>
+              <a:t>2025-04-08</a:t>
             </a:fld>
             <a:endParaRPr lang="ko-KR" altLang="en-US"/>
           </a:p>
@@ -21547,7 +21651,7 @@
           <a:p>
             <a:fld id="{0F78D9C4-20C1-4B15-A116-16DC77AD9A1E}" type="datetime1">
               <a:rPr lang="ko-KR" altLang="en-US" smtClean="0"/>
-              <a:t>2025-04-03</a:t>
+              <a:t>2025-04-08</a:t>
             </a:fld>
             <a:endParaRPr lang="ko-KR" altLang="en-US"/>
           </a:p>
